--- a/발표/DAP_DeepGBM.pptx
+++ b/발표/DAP_DeepGBM.pptx
@@ -4128,31 +4128,23 @@
           <a:lstStyle/>
           <a:p>
             <a:r>
-              <a:rPr lang="en-US" altLang="ko-KR" dirty="0"/>
-              <a:t>Data</a:t>
-            </a:r>
-            <a:r>
-              <a:rPr lang="ko-KR" altLang="en-US" dirty="0"/>
-              <a:t> </a:t>
-            </a:r>
-            <a:r>
-              <a:rPr lang="en-US" altLang="ko-KR" dirty="0"/>
-              <a:t>Analysis</a:t>
-            </a:r>
-            <a:r>
-              <a:rPr lang="ko-KR" altLang="en-US" dirty="0"/>
-              <a:t> </a:t>
-            </a:r>
-            <a:r>
-              <a:rPr lang="en-US" altLang="ko-KR" dirty="0"/>
-              <a:t>programming </a:t>
+              <a:rPr lang="ko-KR" altLang="en-US" dirty="0"/>
+              <a:t>데이터분석프로그래밍</a:t>
             </a:r>
             <a:br>
-              <a:rPr lang="en-US" altLang="ko-KR" dirty="0"/>
+              <a:rPr lang="en-US" altLang="ko-KR"/>
             </a:br>
             <a:r>
-              <a:rPr lang="en-US" altLang="ko-KR" dirty="0"/>
-              <a:t>paper review</a:t>
+              <a:rPr lang="en-US" altLang="ko-KR"/>
+              <a:t>KDD </a:t>
+            </a:r>
+            <a:r>
+              <a:rPr lang="ko-KR" altLang="en-US"/>
+              <a:t>논문</a:t>
+            </a:r>
+            <a:r>
+              <a:rPr lang="en-US" altLang="ko-KR" dirty="0"/>
+              <a:t> review</a:t>
             </a:r>
             <a:endParaRPr lang="ko-KR" altLang="en-US" dirty="0"/>
           </a:p>
